--- a/ppt 16-9/0511.中华就是第四等.pptx
+++ b/ppt 16-9/0511.中华就是第四等.pptx
@@ -129,7 +129,7 @@
           <p:cNvPr id="2" name="标题 1">
             <a:extLst>
               <a:ext uri="{FF2B5EF4-FFF2-40B4-BE49-F238E27FC236}">
-                <a16:creationId xmlns:a16="http://schemas.microsoft.com/office/drawing/2014/main" id="{CC9600E9-0600-12C7-7AF4-26795D7FB94B}"/>
+                <a16:creationId xmlns:a16="http://schemas.microsoft.com/office/drawing/2014/main" id="{DD0D0D07-8529-8392-C190-0C51C5208F8E}"/>
               </a:ext>
             </a:extLst>
           </p:cNvPr>
@@ -166,7 +166,7 @@
           <p:cNvPr id="3" name="副标题 2">
             <a:extLst>
               <a:ext uri="{FF2B5EF4-FFF2-40B4-BE49-F238E27FC236}">
-                <a16:creationId xmlns:a16="http://schemas.microsoft.com/office/drawing/2014/main" id="{49EC3491-CC9A-F29F-4951-C5B6CC3B6417}"/>
+                <a16:creationId xmlns:a16="http://schemas.microsoft.com/office/drawing/2014/main" id="{B48C3D5F-82C5-5A93-4AC0-ED357B3920C8}"/>
               </a:ext>
             </a:extLst>
           </p:cNvPr>
@@ -236,7 +236,7 @@
           <p:cNvPr id="4" name="日期占位符 3">
             <a:extLst>
               <a:ext uri="{FF2B5EF4-FFF2-40B4-BE49-F238E27FC236}">
-                <a16:creationId xmlns:a16="http://schemas.microsoft.com/office/drawing/2014/main" id="{0883FA55-D4F1-F40F-E54A-00B9668AD97D}"/>
+                <a16:creationId xmlns:a16="http://schemas.microsoft.com/office/drawing/2014/main" id="{B53DD2D7-E4F6-7C7B-89C2-AE9B7D9CB8ED}"/>
               </a:ext>
             </a:extLst>
           </p:cNvPr>
@@ -252,7 +252,7 @@
           <a:bodyPr/>
           <a:lstStyle/>
           <a:p>
-            <a:fld id="{DD7652A6-5A71-40A4-9C76-840F92240250}" type="datetimeFigureOut">
+            <a:fld id="{951DB79A-692C-4D06-B5FB-BD91170D157E}" type="datetimeFigureOut">
               <a:rPr lang="zh-CN" altLang="en-US" smtClean="0"/>
               <a:t>2024/3/10</a:t>
             </a:fld>
@@ -265,7 +265,7 @@
           <p:cNvPr id="5" name="页脚占位符 4">
             <a:extLst>
               <a:ext uri="{FF2B5EF4-FFF2-40B4-BE49-F238E27FC236}">
-                <a16:creationId xmlns:a16="http://schemas.microsoft.com/office/drawing/2014/main" id="{F7FFDCC0-83DB-C341-FB14-C8A701CCA774}"/>
+                <a16:creationId xmlns:a16="http://schemas.microsoft.com/office/drawing/2014/main" id="{98C2BE2D-6D2A-E6FD-41E4-998028C80952}"/>
               </a:ext>
             </a:extLst>
           </p:cNvPr>
@@ -290,7 +290,7 @@
           <p:cNvPr id="6" name="灯片编号占位符 5">
             <a:extLst>
               <a:ext uri="{FF2B5EF4-FFF2-40B4-BE49-F238E27FC236}">
-                <a16:creationId xmlns:a16="http://schemas.microsoft.com/office/drawing/2014/main" id="{C400D291-F5EF-087B-8E62-7432EDEF1206}"/>
+                <a16:creationId xmlns:a16="http://schemas.microsoft.com/office/drawing/2014/main" id="{FC92297F-C753-6096-F746-651883926860}"/>
               </a:ext>
             </a:extLst>
           </p:cNvPr>
@@ -306,7 +306,7 @@
           <a:bodyPr/>
           <a:lstStyle/>
           <a:p>
-            <a:fld id="{C00AE7E1-EF03-47FC-B0BA-2F4345C64BB6}" type="slidenum">
+            <a:fld id="{A40EE891-E9CA-4CF3-AD9B-1A6E748865B3}" type="slidenum">
               <a:rPr lang="zh-CN" altLang="en-US" smtClean="0"/>
               <a:t>‹#›</a:t>
             </a:fld>
@@ -317,7 +317,7 @@
     </p:spTree>
     <p:extLst>
       <p:ext uri="{BB962C8B-B14F-4D97-AF65-F5344CB8AC3E}">
-        <p14:creationId xmlns:p14="http://schemas.microsoft.com/office/powerpoint/2010/main" val="433219926"/>
+        <p14:creationId xmlns:p14="http://schemas.microsoft.com/office/powerpoint/2010/main" val="3688629189"/>
       </p:ext>
     </p:extLst>
   </p:cSld>
@@ -349,7 +349,7 @@
           <p:cNvPr id="2" name="标题 1">
             <a:extLst>
               <a:ext uri="{FF2B5EF4-FFF2-40B4-BE49-F238E27FC236}">
-                <a16:creationId xmlns:a16="http://schemas.microsoft.com/office/drawing/2014/main" id="{C63D28D7-33BA-467F-B5E2-6C2DE36A41D8}"/>
+                <a16:creationId xmlns:a16="http://schemas.microsoft.com/office/drawing/2014/main" id="{D1A0CEB9-212B-D3A0-5663-F42C7C879198}"/>
               </a:ext>
             </a:extLst>
           </p:cNvPr>
@@ -377,7 +377,7 @@
           <p:cNvPr id="3" name="竖排文字占位符 2">
             <a:extLst>
               <a:ext uri="{FF2B5EF4-FFF2-40B4-BE49-F238E27FC236}">
-                <a16:creationId xmlns:a16="http://schemas.microsoft.com/office/drawing/2014/main" id="{161B7938-B8C2-B0FB-581B-4C33544D4DAE}"/>
+                <a16:creationId xmlns:a16="http://schemas.microsoft.com/office/drawing/2014/main" id="{592F0B5F-9A8A-90FB-864B-4FA7F168547F}"/>
               </a:ext>
             </a:extLst>
           </p:cNvPr>
@@ -434,7 +434,7 @@
           <p:cNvPr id="4" name="日期占位符 3">
             <a:extLst>
               <a:ext uri="{FF2B5EF4-FFF2-40B4-BE49-F238E27FC236}">
-                <a16:creationId xmlns:a16="http://schemas.microsoft.com/office/drawing/2014/main" id="{4AA3932A-3BD2-FB8D-61B4-13C4250DACC7}"/>
+                <a16:creationId xmlns:a16="http://schemas.microsoft.com/office/drawing/2014/main" id="{92D72DF5-35CD-E4E8-7C97-A6DFC0369647}"/>
               </a:ext>
             </a:extLst>
           </p:cNvPr>
@@ -450,7 +450,7 @@
           <a:bodyPr/>
           <a:lstStyle/>
           <a:p>
-            <a:fld id="{DD7652A6-5A71-40A4-9C76-840F92240250}" type="datetimeFigureOut">
+            <a:fld id="{951DB79A-692C-4D06-B5FB-BD91170D157E}" type="datetimeFigureOut">
               <a:rPr lang="zh-CN" altLang="en-US" smtClean="0"/>
               <a:t>2024/3/10</a:t>
             </a:fld>
@@ -463,7 +463,7 @@
           <p:cNvPr id="5" name="页脚占位符 4">
             <a:extLst>
               <a:ext uri="{FF2B5EF4-FFF2-40B4-BE49-F238E27FC236}">
-                <a16:creationId xmlns:a16="http://schemas.microsoft.com/office/drawing/2014/main" id="{B5B50577-2F61-40D2-5EB1-F6381D6AC651}"/>
+                <a16:creationId xmlns:a16="http://schemas.microsoft.com/office/drawing/2014/main" id="{4A154EE2-01D7-7211-7B8D-6CD818957464}"/>
               </a:ext>
             </a:extLst>
           </p:cNvPr>
@@ -488,7 +488,7 @@
           <p:cNvPr id="6" name="灯片编号占位符 5">
             <a:extLst>
               <a:ext uri="{FF2B5EF4-FFF2-40B4-BE49-F238E27FC236}">
-                <a16:creationId xmlns:a16="http://schemas.microsoft.com/office/drawing/2014/main" id="{832FA2FB-6A57-A2A5-0CD2-9106A4B80725}"/>
+                <a16:creationId xmlns:a16="http://schemas.microsoft.com/office/drawing/2014/main" id="{DF73E2AA-0C76-F8C0-136F-C0A56FE763EE}"/>
               </a:ext>
             </a:extLst>
           </p:cNvPr>
@@ -504,7 +504,7 @@
           <a:bodyPr/>
           <a:lstStyle/>
           <a:p>
-            <a:fld id="{C00AE7E1-EF03-47FC-B0BA-2F4345C64BB6}" type="slidenum">
+            <a:fld id="{A40EE891-E9CA-4CF3-AD9B-1A6E748865B3}" type="slidenum">
               <a:rPr lang="zh-CN" altLang="en-US" smtClean="0"/>
               <a:t>‹#›</a:t>
             </a:fld>
@@ -515,7 +515,7 @@
     </p:spTree>
     <p:extLst>
       <p:ext uri="{BB962C8B-B14F-4D97-AF65-F5344CB8AC3E}">
-        <p14:creationId xmlns:p14="http://schemas.microsoft.com/office/powerpoint/2010/main" val="536586690"/>
+        <p14:creationId xmlns:p14="http://schemas.microsoft.com/office/powerpoint/2010/main" val="3839619649"/>
       </p:ext>
     </p:extLst>
   </p:cSld>
@@ -547,7 +547,7 @@
           <p:cNvPr id="2" name="竖排标题 1">
             <a:extLst>
               <a:ext uri="{FF2B5EF4-FFF2-40B4-BE49-F238E27FC236}">
-                <a16:creationId xmlns:a16="http://schemas.microsoft.com/office/drawing/2014/main" id="{86ACACAD-5ECB-5E84-5911-A2CA32FCF9AD}"/>
+                <a16:creationId xmlns:a16="http://schemas.microsoft.com/office/drawing/2014/main" id="{A5DDD6C6-2185-347E-226A-F99D856BB9A8}"/>
               </a:ext>
             </a:extLst>
           </p:cNvPr>
@@ -580,7 +580,7 @@
           <p:cNvPr id="3" name="竖排文字占位符 2">
             <a:extLst>
               <a:ext uri="{FF2B5EF4-FFF2-40B4-BE49-F238E27FC236}">
-                <a16:creationId xmlns:a16="http://schemas.microsoft.com/office/drawing/2014/main" id="{C4DE7FB9-98E7-E9D9-BAA4-A69DAFBC4DF6}"/>
+                <a16:creationId xmlns:a16="http://schemas.microsoft.com/office/drawing/2014/main" id="{314056B9-A90C-1048-1F9C-3A4CEA6B3775}"/>
               </a:ext>
             </a:extLst>
           </p:cNvPr>
@@ -642,7 +642,7 @@
           <p:cNvPr id="4" name="日期占位符 3">
             <a:extLst>
               <a:ext uri="{FF2B5EF4-FFF2-40B4-BE49-F238E27FC236}">
-                <a16:creationId xmlns:a16="http://schemas.microsoft.com/office/drawing/2014/main" id="{43D8FEFD-7F94-FFF1-CAED-7D68BE7DCAB1}"/>
+                <a16:creationId xmlns:a16="http://schemas.microsoft.com/office/drawing/2014/main" id="{4BCB5A54-FA4D-FC92-FC6B-8E08BDC1DEEF}"/>
               </a:ext>
             </a:extLst>
           </p:cNvPr>
@@ -658,7 +658,7 @@
           <a:bodyPr/>
           <a:lstStyle/>
           <a:p>
-            <a:fld id="{DD7652A6-5A71-40A4-9C76-840F92240250}" type="datetimeFigureOut">
+            <a:fld id="{951DB79A-692C-4D06-B5FB-BD91170D157E}" type="datetimeFigureOut">
               <a:rPr lang="zh-CN" altLang="en-US" smtClean="0"/>
               <a:t>2024/3/10</a:t>
             </a:fld>
@@ -671,7 +671,7 @@
           <p:cNvPr id="5" name="页脚占位符 4">
             <a:extLst>
               <a:ext uri="{FF2B5EF4-FFF2-40B4-BE49-F238E27FC236}">
-                <a16:creationId xmlns:a16="http://schemas.microsoft.com/office/drawing/2014/main" id="{9A73E99A-15A3-084B-F661-F6A756EAF892}"/>
+                <a16:creationId xmlns:a16="http://schemas.microsoft.com/office/drawing/2014/main" id="{3E4BA894-B267-ACDC-8294-08B5E11805DE}"/>
               </a:ext>
             </a:extLst>
           </p:cNvPr>
@@ -696,7 +696,7 @@
           <p:cNvPr id="6" name="灯片编号占位符 5">
             <a:extLst>
               <a:ext uri="{FF2B5EF4-FFF2-40B4-BE49-F238E27FC236}">
-                <a16:creationId xmlns:a16="http://schemas.microsoft.com/office/drawing/2014/main" id="{670F4C6F-EA78-0944-E8CC-63B1ACFF6348}"/>
+                <a16:creationId xmlns:a16="http://schemas.microsoft.com/office/drawing/2014/main" id="{79037487-2A22-56CD-78C3-95DA365C5003}"/>
               </a:ext>
             </a:extLst>
           </p:cNvPr>
@@ -712,7 +712,7 @@
           <a:bodyPr/>
           <a:lstStyle/>
           <a:p>
-            <a:fld id="{C00AE7E1-EF03-47FC-B0BA-2F4345C64BB6}" type="slidenum">
+            <a:fld id="{A40EE891-E9CA-4CF3-AD9B-1A6E748865B3}" type="slidenum">
               <a:rPr lang="zh-CN" altLang="en-US" smtClean="0"/>
               <a:t>‹#›</a:t>
             </a:fld>
@@ -723,7 +723,7 @@
     </p:spTree>
     <p:extLst>
       <p:ext uri="{BB962C8B-B14F-4D97-AF65-F5344CB8AC3E}">
-        <p14:creationId xmlns:p14="http://schemas.microsoft.com/office/powerpoint/2010/main" val="3543820710"/>
+        <p14:creationId xmlns:p14="http://schemas.microsoft.com/office/powerpoint/2010/main" val="3024719595"/>
       </p:ext>
     </p:extLst>
   </p:cSld>
@@ -755,7 +755,7 @@
           <p:cNvPr id="2" name="标题 1">
             <a:extLst>
               <a:ext uri="{FF2B5EF4-FFF2-40B4-BE49-F238E27FC236}">
-                <a16:creationId xmlns:a16="http://schemas.microsoft.com/office/drawing/2014/main" id="{D46C0F8A-C6D4-D6F6-912F-6078D29FB021}"/>
+                <a16:creationId xmlns:a16="http://schemas.microsoft.com/office/drawing/2014/main" id="{A2EF5C28-6996-8D28-31B5-E998E09B7A7E}"/>
               </a:ext>
             </a:extLst>
           </p:cNvPr>
@@ -783,7 +783,7 @@
           <p:cNvPr id="3" name="内容占位符 2">
             <a:extLst>
               <a:ext uri="{FF2B5EF4-FFF2-40B4-BE49-F238E27FC236}">
-                <a16:creationId xmlns:a16="http://schemas.microsoft.com/office/drawing/2014/main" id="{A84CE309-42DA-6E2A-2DE8-FBE6D7017CB5}"/>
+                <a16:creationId xmlns:a16="http://schemas.microsoft.com/office/drawing/2014/main" id="{784E49D8-1E89-8816-7F40-CFD2AFA0B225}"/>
               </a:ext>
             </a:extLst>
           </p:cNvPr>
@@ -840,7 +840,7 @@
           <p:cNvPr id="4" name="日期占位符 3">
             <a:extLst>
               <a:ext uri="{FF2B5EF4-FFF2-40B4-BE49-F238E27FC236}">
-                <a16:creationId xmlns:a16="http://schemas.microsoft.com/office/drawing/2014/main" id="{EEB724DA-E8D4-85BA-A10A-32E15EE43375}"/>
+                <a16:creationId xmlns:a16="http://schemas.microsoft.com/office/drawing/2014/main" id="{BAD95DAD-F5DA-C266-42B7-491B6DC69E18}"/>
               </a:ext>
             </a:extLst>
           </p:cNvPr>
@@ -856,7 +856,7 @@
           <a:bodyPr/>
           <a:lstStyle/>
           <a:p>
-            <a:fld id="{DD7652A6-5A71-40A4-9C76-840F92240250}" type="datetimeFigureOut">
+            <a:fld id="{951DB79A-692C-4D06-B5FB-BD91170D157E}" type="datetimeFigureOut">
               <a:rPr lang="zh-CN" altLang="en-US" smtClean="0"/>
               <a:t>2024/3/10</a:t>
             </a:fld>
@@ -869,7 +869,7 @@
           <p:cNvPr id="5" name="页脚占位符 4">
             <a:extLst>
               <a:ext uri="{FF2B5EF4-FFF2-40B4-BE49-F238E27FC236}">
-                <a16:creationId xmlns:a16="http://schemas.microsoft.com/office/drawing/2014/main" id="{CE358BA2-000F-0877-AFAA-FD6EB0C2D855}"/>
+                <a16:creationId xmlns:a16="http://schemas.microsoft.com/office/drawing/2014/main" id="{4CF2B12F-039A-302E-C49F-95F0C34B4A5E}"/>
               </a:ext>
             </a:extLst>
           </p:cNvPr>
@@ -894,7 +894,7 @@
           <p:cNvPr id="6" name="灯片编号占位符 5">
             <a:extLst>
               <a:ext uri="{FF2B5EF4-FFF2-40B4-BE49-F238E27FC236}">
-                <a16:creationId xmlns:a16="http://schemas.microsoft.com/office/drawing/2014/main" id="{6F187C63-9EFC-55CB-E9B9-778BFF2410D0}"/>
+                <a16:creationId xmlns:a16="http://schemas.microsoft.com/office/drawing/2014/main" id="{FE5A660F-C082-A1B2-A7AC-9449FDB5E7D3}"/>
               </a:ext>
             </a:extLst>
           </p:cNvPr>
@@ -910,7 +910,7 @@
           <a:bodyPr/>
           <a:lstStyle/>
           <a:p>
-            <a:fld id="{C00AE7E1-EF03-47FC-B0BA-2F4345C64BB6}" type="slidenum">
+            <a:fld id="{A40EE891-E9CA-4CF3-AD9B-1A6E748865B3}" type="slidenum">
               <a:rPr lang="zh-CN" altLang="en-US" smtClean="0"/>
               <a:t>‹#›</a:t>
             </a:fld>
@@ -921,7 +921,7 @@
     </p:spTree>
     <p:extLst>
       <p:ext uri="{BB962C8B-B14F-4D97-AF65-F5344CB8AC3E}">
-        <p14:creationId xmlns:p14="http://schemas.microsoft.com/office/powerpoint/2010/main" val="1657946809"/>
+        <p14:creationId xmlns:p14="http://schemas.microsoft.com/office/powerpoint/2010/main" val="1426546347"/>
       </p:ext>
     </p:extLst>
   </p:cSld>
@@ -953,7 +953,7 @@
           <p:cNvPr id="2" name="标题 1">
             <a:extLst>
               <a:ext uri="{FF2B5EF4-FFF2-40B4-BE49-F238E27FC236}">
-                <a16:creationId xmlns:a16="http://schemas.microsoft.com/office/drawing/2014/main" id="{44DF1264-B8FA-96DC-19DE-0A1849F22145}"/>
+                <a16:creationId xmlns:a16="http://schemas.microsoft.com/office/drawing/2014/main" id="{84662A51-CEC1-94E3-C379-6D52AA3E1BB8}"/>
               </a:ext>
             </a:extLst>
           </p:cNvPr>
@@ -990,7 +990,7 @@
           <p:cNvPr id="3" name="文本占位符 2">
             <a:extLst>
               <a:ext uri="{FF2B5EF4-FFF2-40B4-BE49-F238E27FC236}">
-                <a16:creationId xmlns:a16="http://schemas.microsoft.com/office/drawing/2014/main" id="{DA4DFE1D-40C2-1201-DD45-D1FF01FAB868}"/>
+                <a16:creationId xmlns:a16="http://schemas.microsoft.com/office/drawing/2014/main" id="{1F6E5244-2CF9-70D6-F1E3-1626FE1FE727}"/>
               </a:ext>
             </a:extLst>
           </p:cNvPr>
@@ -1115,7 +1115,7 @@
           <p:cNvPr id="4" name="日期占位符 3">
             <a:extLst>
               <a:ext uri="{FF2B5EF4-FFF2-40B4-BE49-F238E27FC236}">
-                <a16:creationId xmlns:a16="http://schemas.microsoft.com/office/drawing/2014/main" id="{223F7F4C-5951-9B83-F54F-A9538A266A68}"/>
+                <a16:creationId xmlns:a16="http://schemas.microsoft.com/office/drawing/2014/main" id="{C180167C-59AD-9F8F-14C2-14B1537536C0}"/>
               </a:ext>
             </a:extLst>
           </p:cNvPr>
@@ -1131,7 +1131,7 @@
           <a:bodyPr/>
           <a:lstStyle/>
           <a:p>
-            <a:fld id="{DD7652A6-5A71-40A4-9C76-840F92240250}" type="datetimeFigureOut">
+            <a:fld id="{951DB79A-692C-4D06-B5FB-BD91170D157E}" type="datetimeFigureOut">
               <a:rPr lang="zh-CN" altLang="en-US" smtClean="0"/>
               <a:t>2024/3/10</a:t>
             </a:fld>
@@ -1144,7 +1144,7 @@
           <p:cNvPr id="5" name="页脚占位符 4">
             <a:extLst>
               <a:ext uri="{FF2B5EF4-FFF2-40B4-BE49-F238E27FC236}">
-                <a16:creationId xmlns:a16="http://schemas.microsoft.com/office/drawing/2014/main" id="{87DAB0C2-1E2E-5D0E-1B69-C59ADE28E294}"/>
+                <a16:creationId xmlns:a16="http://schemas.microsoft.com/office/drawing/2014/main" id="{BB9BF721-75D4-BEB7-7A0F-3841FAAB0426}"/>
               </a:ext>
             </a:extLst>
           </p:cNvPr>
@@ -1169,7 +1169,7 @@
           <p:cNvPr id="6" name="灯片编号占位符 5">
             <a:extLst>
               <a:ext uri="{FF2B5EF4-FFF2-40B4-BE49-F238E27FC236}">
-                <a16:creationId xmlns:a16="http://schemas.microsoft.com/office/drawing/2014/main" id="{4AA53088-4F47-FA33-1460-4F6AD6A1537A}"/>
+                <a16:creationId xmlns:a16="http://schemas.microsoft.com/office/drawing/2014/main" id="{2EBA4917-5633-0BE8-361F-DFBE45DBDCEA}"/>
               </a:ext>
             </a:extLst>
           </p:cNvPr>
@@ -1185,7 +1185,7 @@
           <a:bodyPr/>
           <a:lstStyle/>
           <a:p>
-            <a:fld id="{C00AE7E1-EF03-47FC-B0BA-2F4345C64BB6}" type="slidenum">
+            <a:fld id="{A40EE891-E9CA-4CF3-AD9B-1A6E748865B3}" type="slidenum">
               <a:rPr lang="zh-CN" altLang="en-US" smtClean="0"/>
               <a:t>‹#›</a:t>
             </a:fld>
@@ -1196,7 +1196,7 @@
     </p:spTree>
     <p:extLst>
       <p:ext uri="{BB962C8B-B14F-4D97-AF65-F5344CB8AC3E}">
-        <p14:creationId xmlns:p14="http://schemas.microsoft.com/office/powerpoint/2010/main" val="1936800098"/>
+        <p14:creationId xmlns:p14="http://schemas.microsoft.com/office/powerpoint/2010/main" val="1066723658"/>
       </p:ext>
     </p:extLst>
   </p:cSld>
@@ -1228,7 +1228,7 @@
           <p:cNvPr id="2" name="标题 1">
             <a:extLst>
               <a:ext uri="{FF2B5EF4-FFF2-40B4-BE49-F238E27FC236}">
-                <a16:creationId xmlns:a16="http://schemas.microsoft.com/office/drawing/2014/main" id="{E20286D6-7A94-1A45-AE66-DF78B15777B2}"/>
+                <a16:creationId xmlns:a16="http://schemas.microsoft.com/office/drawing/2014/main" id="{440909B8-63C6-6672-F159-B2FE793ABDB5}"/>
               </a:ext>
             </a:extLst>
           </p:cNvPr>
@@ -1256,7 +1256,7 @@
           <p:cNvPr id="3" name="内容占位符 2">
             <a:extLst>
               <a:ext uri="{FF2B5EF4-FFF2-40B4-BE49-F238E27FC236}">
-                <a16:creationId xmlns:a16="http://schemas.microsoft.com/office/drawing/2014/main" id="{544FAAF5-C383-FB87-2E91-D430A3AFE7C0}"/>
+                <a16:creationId xmlns:a16="http://schemas.microsoft.com/office/drawing/2014/main" id="{1A863B2D-25B3-836E-4C61-C574B7784714}"/>
               </a:ext>
             </a:extLst>
           </p:cNvPr>
@@ -1318,7 +1318,7 @@
           <p:cNvPr id="4" name="内容占位符 3">
             <a:extLst>
               <a:ext uri="{FF2B5EF4-FFF2-40B4-BE49-F238E27FC236}">
-                <a16:creationId xmlns:a16="http://schemas.microsoft.com/office/drawing/2014/main" id="{3C34414D-5C37-A2A0-B00F-B6ACF45730C7}"/>
+                <a16:creationId xmlns:a16="http://schemas.microsoft.com/office/drawing/2014/main" id="{AD82085C-FEA8-4E25-C048-957D05055525}"/>
               </a:ext>
             </a:extLst>
           </p:cNvPr>
@@ -1380,7 +1380,7 @@
           <p:cNvPr id="5" name="日期占位符 4">
             <a:extLst>
               <a:ext uri="{FF2B5EF4-FFF2-40B4-BE49-F238E27FC236}">
-                <a16:creationId xmlns:a16="http://schemas.microsoft.com/office/drawing/2014/main" id="{C0BC27C1-3958-394F-70D9-D22D3B0D7033}"/>
+                <a16:creationId xmlns:a16="http://schemas.microsoft.com/office/drawing/2014/main" id="{77B0F0B2-2E77-41A7-1727-C585D40771D6}"/>
               </a:ext>
             </a:extLst>
           </p:cNvPr>
@@ -1396,7 +1396,7 @@
           <a:bodyPr/>
           <a:lstStyle/>
           <a:p>
-            <a:fld id="{DD7652A6-5A71-40A4-9C76-840F92240250}" type="datetimeFigureOut">
+            <a:fld id="{951DB79A-692C-4D06-B5FB-BD91170D157E}" type="datetimeFigureOut">
               <a:rPr lang="zh-CN" altLang="en-US" smtClean="0"/>
               <a:t>2024/3/10</a:t>
             </a:fld>
@@ -1409,7 +1409,7 @@
           <p:cNvPr id="6" name="页脚占位符 5">
             <a:extLst>
               <a:ext uri="{FF2B5EF4-FFF2-40B4-BE49-F238E27FC236}">
-                <a16:creationId xmlns:a16="http://schemas.microsoft.com/office/drawing/2014/main" id="{5197BF95-FF46-210F-D01C-99FC8D744AA9}"/>
+                <a16:creationId xmlns:a16="http://schemas.microsoft.com/office/drawing/2014/main" id="{CBAFBFB7-4D63-8BF6-10A4-D94794DD1011}"/>
               </a:ext>
             </a:extLst>
           </p:cNvPr>
@@ -1434,7 +1434,7 @@
           <p:cNvPr id="7" name="灯片编号占位符 6">
             <a:extLst>
               <a:ext uri="{FF2B5EF4-FFF2-40B4-BE49-F238E27FC236}">
-                <a16:creationId xmlns:a16="http://schemas.microsoft.com/office/drawing/2014/main" id="{DA1DE367-3764-B4B3-C9BE-0EBCD09BB861}"/>
+                <a16:creationId xmlns:a16="http://schemas.microsoft.com/office/drawing/2014/main" id="{BC3555BC-90EC-E34C-814E-38325993F426}"/>
               </a:ext>
             </a:extLst>
           </p:cNvPr>
@@ -1450,7 +1450,7 @@
           <a:bodyPr/>
           <a:lstStyle/>
           <a:p>
-            <a:fld id="{C00AE7E1-EF03-47FC-B0BA-2F4345C64BB6}" type="slidenum">
+            <a:fld id="{A40EE891-E9CA-4CF3-AD9B-1A6E748865B3}" type="slidenum">
               <a:rPr lang="zh-CN" altLang="en-US" smtClean="0"/>
               <a:t>‹#›</a:t>
             </a:fld>
@@ -1461,7 +1461,7 @@
     </p:spTree>
     <p:extLst>
       <p:ext uri="{BB962C8B-B14F-4D97-AF65-F5344CB8AC3E}">
-        <p14:creationId xmlns:p14="http://schemas.microsoft.com/office/powerpoint/2010/main" val="2962467137"/>
+        <p14:creationId xmlns:p14="http://schemas.microsoft.com/office/powerpoint/2010/main" val="2111141901"/>
       </p:ext>
     </p:extLst>
   </p:cSld>
@@ -1493,7 +1493,7 @@
           <p:cNvPr id="2" name="标题 1">
             <a:extLst>
               <a:ext uri="{FF2B5EF4-FFF2-40B4-BE49-F238E27FC236}">
-                <a16:creationId xmlns:a16="http://schemas.microsoft.com/office/drawing/2014/main" id="{62B9EA79-80F8-7817-328C-E4E5552B2DC4}"/>
+                <a16:creationId xmlns:a16="http://schemas.microsoft.com/office/drawing/2014/main" id="{035FDA0B-08CB-258F-C736-852AFA4D1F18}"/>
               </a:ext>
             </a:extLst>
           </p:cNvPr>
@@ -1526,7 +1526,7 @@
           <p:cNvPr id="3" name="文本占位符 2">
             <a:extLst>
               <a:ext uri="{FF2B5EF4-FFF2-40B4-BE49-F238E27FC236}">
-                <a16:creationId xmlns:a16="http://schemas.microsoft.com/office/drawing/2014/main" id="{1C01878E-0D2C-05E3-BB04-6A38341A5628}"/>
+                <a16:creationId xmlns:a16="http://schemas.microsoft.com/office/drawing/2014/main" id="{FA24341E-1082-3E85-1D7B-D095FCF961E0}"/>
               </a:ext>
             </a:extLst>
           </p:cNvPr>
@@ -1597,7 +1597,7 @@
           <p:cNvPr id="4" name="内容占位符 3">
             <a:extLst>
               <a:ext uri="{FF2B5EF4-FFF2-40B4-BE49-F238E27FC236}">
-                <a16:creationId xmlns:a16="http://schemas.microsoft.com/office/drawing/2014/main" id="{FE1CB790-CCA2-87B4-D816-0BCE7E746700}"/>
+                <a16:creationId xmlns:a16="http://schemas.microsoft.com/office/drawing/2014/main" id="{F856C88C-36DA-03CD-C2B5-24EE096FDD16}"/>
               </a:ext>
             </a:extLst>
           </p:cNvPr>
@@ -1659,7 +1659,7 @@
           <p:cNvPr id="5" name="文本占位符 4">
             <a:extLst>
               <a:ext uri="{FF2B5EF4-FFF2-40B4-BE49-F238E27FC236}">
-                <a16:creationId xmlns:a16="http://schemas.microsoft.com/office/drawing/2014/main" id="{7CC91136-3D0E-36F4-3E7C-513E93B0BF21}"/>
+                <a16:creationId xmlns:a16="http://schemas.microsoft.com/office/drawing/2014/main" id="{87E89822-5975-9080-B9C7-325F4FE06046}"/>
               </a:ext>
             </a:extLst>
           </p:cNvPr>
@@ -1730,7 +1730,7 @@
           <p:cNvPr id="6" name="内容占位符 5">
             <a:extLst>
               <a:ext uri="{FF2B5EF4-FFF2-40B4-BE49-F238E27FC236}">
-                <a16:creationId xmlns:a16="http://schemas.microsoft.com/office/drawing/2014/main" id="{38918EEC-B39B-2877-E49A-8865747FE1D1}"/>
+                <a16:creationId xmlns:a16="http://schemas.microsoft.com/office/drawing/2014/main" id="{B2A416FF-E0BE-E682-6DF5-521B1EF7AB9E}"/>
               </a:ext>
             </a:extLst>
           </p:cNvPr>
@@ -1792,7 +1792,7 @@
           <p:cNvPr id="7" name="日期占位符 6">
             <a:extLst>
               <a:ext uri="{FF2B5EF4-FFF2-40B4-BE49-F238E27FC236}">
-                <a16:creationId xmlns:a16="http://schemas.microsoft.com/office/drawing/2014/main" id="{F9BD93F5-E658-865E-A478-E35AC9B51BCB}"/>
+                <a16:creationId xmlns:a16="http://schemas.microsoft.com/office/drawing/2014/main" id="{D9FCDA97-20E7-CE04-8D95-C83D787AE220}"/>
               </a:ext>
             </a:extLst>
           </p:cNvPr>
@@ -1808,7 +1808,7 @@
           <a:bodyPr/>
           <a:lstStyle/>
           <a:p>
-            <a:fld id="{DD7652A6-5A71-40A4-9C76-840F92240250}" type="datetimeFigureOut">
+            <a:fld id="{951DB79A-692C-4D06-B5FB-BD91170D157E}" type="datetimeFigureOut">
               <a:rPr lang="zh-CN" altLang="en-US" smtClean="0"/>
               <a:t>2024/3/10</a:t>
             </a:fld>
@@ -1821,7 +1821,7 @@
           <p:cNvPr id="8" name="页脚占位符 7">
             <a:extLst>
               <a:ext uri="{FF2B5EF4-FFF2-40B4-BE49-F238E27FC236}">
-                <a16:creationId xmlns:a16="http://schemas.microsoft.com/office/drawing/2014/main" id="{BC5BB83E-3C08-21FB-A6EB-C4B952E8BAF5}"/>
+                <a16:creationId xmlns:a16="http://schemas.microsoft.com/office/drawing/2014/main" id="{A7671117-5A39-AB0E-4B4F-2F099E0B06F3}"/>
               </a:ext>
             </a:extLst>
           </p:cNvPr>
@@ -1846,7 +1846,7 @@
           <p:cNvPr id="9" name="灯片编号占位符 8">
             <a:extLst>
               <a:ext uri="{FF2B5EF4-FFF2-40B4-BE49-F238E27FC236}">
-                <a16:creationId xmlns:a16="http://schemas.microsoft.com/office/drawing/2014/main" id="{56753514-4441-C6FB-A45D-8349EBE661CC}"/>
+                <a16:creationId xmlns:a16="http://schemas.microsoft.com/office/drawing/2014/main" id="{05D3788A-A20B-47AB-58BC-C013BF1CBE3A}"/>
               </a:ext>
             </a:extLst>
           </p:cNvPr>
@@ -1862,7 +1862,7 @@
           <a:bodyPr/>
           <a:lstStyle/>
           <a:p>
-            <a:fld id="{C00AE7E1-EF03-47FC-B0BA-2F4345C64BB6}" type="slidenum">
+            <a:fld id="{A40EE891-E9CA-4CF3-AD9B-1A6E748865B3}" type="slidenum">
               <a:rPr lang="zh-CN" altLang="en-US" smtClean="0"/>
               <a:t>‹#›</a:t>
             </a:fld>
@@ -1873,7 +1873,7 @@
     </p:spTree>
     <p:extLst>
       <p:ext uri="{BB962C8B-B14F-4D97-AF65-F5344CB8AC3E}">
-        <p14:creationId xmlns:p14="http://schemas.microsoft.com/office/powerpoint/2010/main" val="1237710197"/>
+        <p14:creationId xmlns:p14="http://schemas.microsoft.com/office/powerpoint/2010/main" val="2786134609"/>
       </p:ext>
     </p:extLst>
   </p:cSld>
@@ -1905,7 +1905,7 @@
           <p:cNvPr id="2" name="标题 1">
             <a:extLst>
               <a:ext uri="{FF2B5EF4-FFF2-40B4-BE49-F238E27FC236}">
-                <a16:creationId xmlns:a16="http://schemas.microsoft.com/office/drawing/2014/main" id="{DB86FEE8-0C59-F57B-DFE7-C7D4122B3D1C}"/>
+                <a16:creationId xmlns:a16="http://schemas.microsoft.com/office/drawing/2014/main" id="{CA6AF776-2C5C-001C-7062-1F001287D368}"/>
               </a:ext>
             </a:extLst>
           </p:cNvPr>
@@ -1933,7 +1933,7 @@
           <p:cNvPr id="3" name="日期占位符 2">
             <a:extLst>
               <a:ext uri="{FF2B5EF4-FFF2-40B4-BE49-F238E27FC236}">
-                <a16:creationId xmlns:a16="http://schemas.microsoft.com/office/drawing/2014/main" id="{B72847F7-D2A0-82BE-55FE-68F67068DE02}"/>
+                <a16:creationId xmlns:a16="http://schemas.microsoft.com/office/drawing/2014/main" id="{163F8B2E-4544-4BBC-F08A-3E96A50F418A}"/>
               </a:ext>
             </a:extLst>
           </p:cNvPr>
@@ -1949,7 +1949,7 @@
           <a:bodyPr/>
           <a:lstStyle/>
           <a:p>
-            <a:fld id="{DD7652A6-5A71-40A4-9C76-840F92240250}" type="datetimeFigureOut">
+            <a:fld id="{951DB79A-692C-4D06-B5FB-BD91170D157E}" type="datetimeFigureOut">
               <a:rPr lang="zh-CN" altLang="en-US" smtClean="0"/>
               <a:t>2024/3/10</a:t>
             </a:fld>
@@ -1962,7 +1962,7 @@
           <p:cNvPr id="4" name="页脚占位符 3">
             <a:extLst>
               <a:ext uri="{FF2B5EF4-FFF2-40B4-BE49-F238E27FC236}">
-                <a16:creationId xmlns:a16="http://schemas.microsoft.com/office/drawing/2014/main" id="{E548A55C-5428-17BA-93DE-D60AED9DD731}"/>
+                <a16:creationId xmlns:a16="http://schemas.microsoft.com/office/drawing/2014/main" id="{E8323D41-34FB-B876-3979-C029FCEE4FF8}"/>
               </a:ext>
             </a:extLst>
           </p:cNvPr>
@@ -1987,7 +1987,7 @@
           <p:cNvPr id="5" name="灯片编号占位符 4">
             <a:extLst>
               <a:ext uri="{FF2B5EF4-FFF2-40B4-BE49-F238E27FC236}">
-                <a16:creationId xmlns:a16="http://schemas.microsoft.com/office/drawing/2014/main" id="{88349FCF-8434-BBCF-10D0-512E2267A9E8}"/>
+                <a16:creationId xmlns:a16="http://schemas.microsoft.com/office/drawing/2014/main" id="{4D18E9F8-ED18-DFA7-68AB-A84DCCF6A0BB}"/>
               </a:ext>
             </a:extLst>
           </p:cNvPr>
@@ -2003,7 +2003,7 @@
           <a:bodyPr/>
           <a:lstStyle/>
           <a:p>
-            <a:fld id="{C00AE7E1-EF03-47FC-B0BA-2F4345C64BB6}" type="slidenum">
+            <a:fld id="{A40EE891-E9CA-4CF3-AD9B-1A6E748865B3}" type="slidenum">
               <a:rPr lang="zh-CN" altLang="en-US" smtClean="0"/>
               <a:t>‹#›</a:t>
             </a:fld>
@@ -2014,7 +2014,7 @@
     </p:spTree>
     <p:extLst>
       <p:ext uri="{BB962C8B-B14F-4D97-AF65-F5344CB8AC3E}">
-        <p14:creationId xmlns:p14="http://schemas.microsoft.com/office/powerpoint/2010/main" val="3444346922"/>
+        <p14:creationId xmlns:p14="http://schemas.microsoft.com/office/powerpoint/2010/main" val="2427316558"/>
       </p:ext>
     </p:extLst>
   </p:cSld>
@@ -2046,7 +2046,7 @@
           <p:cNvPr id="2" name="日期占位符 1">
             <a:extLst>
               <a:ext uri="{FF2B5EF4-FFF2-40B4-BE49-F238E27FC236}">
-                <a16:creationId xmlns:a16="http://schemas.microsoft.com/office/drawing/2014/main" id="{58A33CD2-7F1E-3356-E353-656A6B6896F9}"/>
+                <a16:creationId xmlns:a16="http://schemas.microsoft.com/office/drawing/2014/main" id="{CC9A535F-72AF-FAFB-2B2A-DAC7DF5B5C3B}"/>
               </a:ext>
             </a:extLst>
           </p:cNvPr>
@@ -2062,7 +2062,7 @@
           <a:bodyPr/>
           <a:lstStyle/>
           <a:p>
-            <a:fld id="{DD7652A6-5A71-40A4-9C76-840F92240250}" type="datetimeFigureOut">
+            <a:fld id="{951DB79A-692C-4D06-B5FB-BD91170D157E}" type="datetimeFigureOut">
               <a:rPr lang="zh-CN" altLang="en-US" smtClean="0"/>
               <a:t>2024/3/10</a:t>
             </a:fld>
@@ -2075,7 +2075,7 @@
           <p:cNvPr id="3" name="页脚占位符 2">
             <a:extLst>
               <a:ext uri="{FF2B5EF4-FFF2-40B4-BE49-F238E27FC236}">
-                <a16:creationId xmlns:a16="http://schemas.microsoft.com/office/drawing/2014/main" id="{B1C0E8AC-6561-B8C9-9750-2C7958BA60A6}"/>
+                <a16:creationId xmlns:a16="http://schemas.microsoft.com/office/drawing/2014/main" id="{47DFF7F3-026A-98FA-670A-C28402A2CD4A}"/>
               </a:ext>
             </a:extLst>
           </p:cNvPr>
@@ -2100,7 +2100,7 @@
           <p:cNvPr id="4" name="灯片编号占位符 3">
             <a:extLst>
               <a:ext uri="{FF2B5EF4-FFF2-40B4-BE49-F238E27FC236}">
-                <a16:creationId xmlns:a16="http://schemas.microsoft.com/office/drawing/2014/main" id="{352EB533-ADA7-C4B7-733A-F8FBA63536CC}"/>
+                <a16:creationId xmlns:a16="http://schemas.microsoft.com/office/drawing/2014/main" id="{42B5499A-6B4E-6496-22EC-F557B8CE49DB}"/>
               </a:ext>
             </a:extLst>
           </p:cNvPr>
@@ -2116,7 +2116,7 @@
           <a:bodyPr/>
           <a:lstStyle/>
           <a:p>
-            <a:fld id="{C00AE7E1-EF03-47FC-B0BA-2F4345C64BB6}" type="slidenum">
+            <a:fld id="{A40EE891-E9CA-4CF3-AD9B-1A6E748865B3}" type="slidenum">
               <a:rPr lang="zh-CN" altLang="en-US" smtClean="0"/>
               <a:t>‹#›</a:t>
             </a:fld>
@@ -2127,7 +2127,7 @@
     </p:spTree>
     <p:extLst>
       <p:ext uri="{BB962C8B-B14F-4D97-AF65-F5344CB8AC3E}">
-        <p14:creationId xmlns:p14="http://schemas.microsoft.com/office/powerpoint/2010/main" val="1655387080"/>
+        <p14:creationId xmlns:p14="http://schemas.microsoft.com/office/powerpoint/2010/main" val="900703189"/>
       </p:ext>
     </p:extLst>
   </p:cSld>
@@ -2159,7 +2159,7 @@
           <p:cNvPr id="2" name="标题 1">
             <a:extLst>
               <a:ext uri="{FF2B5EF4-FFF2-40B4-BE49-F238E27FC236}">
-                <a16:creationId xmlns:a16="http://schemas.microsoft.com/office/drawing/2014/main" id="{B2F90472-DF6F-2F57-D354-FF0BC17EE277}"/>
+                <a16:creationId xmlns:a16="http://schemas.microsoft.com/office/drawing/2014/main" id="{98FB9206-ACE2-5F66-B495-80FB21F63F6B}"/>
               </a:ext>
             </a:extLst>
           </p:cNvPr>
@@ -2196,7 +2196,7 @@
           <p:cNvPr id="3" name="内容占位符 2">
             <a:extLst>
               <a:ext uri="{FF2B5EF4-FFF2-40B4-BE49-F238E27FC236}">
-                <a16:creationId xmlns:a16="http://schemas.microsoft.com/office/drawing/2014/main" id="{F938836E-618D-654C-4F3D-5491A2895F09}"/>
+                <a16:creationId xmlns:a16="http://schemas.microsoft.com/office/drawing/2014/main" id="{1353E9FE-94F4-2766-961A-3A4A33C0C2FC}"/>
               </a:ext>
             </a:extLst>
           </p:cNvPr>
@@ -2286,7 +2286,7 @@
           <p:cNvPr id="4" name="文本占位符 3">
             <a:extLst>
               <a:ext uri="{FF2B5EF4-FFF2-40B4-BE49-F238E27FC236}">
-                <a16:creationId xmlns:a16="http://schemas.microsoft.com/office/drawing/2014/main" id="{49B7AA4A-269C-E384-10A0-533A9B615912}"/>
+                <a16:creationId xmlns:a16="http://schemas.microsoft.com/office/drawing/2014/main" id="{3E6F0D6C-8C25-5F23-6E21-6B72DF19B041}"/>
               </a:ext>
             </a:extLst>
           </p:cNvPr>
@@ -2357,7 +2357,7 @@
           <p:cNvPr id="5" name="日期占位符 4">
             <a:extLst>
               <a:ext uri="{FF2B5EF4-FFF2-40B4-BE49-F238E27FC236}">
-                <a16:creationId xmlns:a16="http://schemas.microsoft.com/office/drawing/2014/main" id="{C54FFA73-6FED-DCF1-E784-11DB2A1E8F4B}"/>
+                <a16:creationId xmlns:a16="http://schemas.microsoft.com/office/drawing/2014/main" id="{94BF0DC4-2C25-8A9C-58CA-9E95317E521D}"/>
               </a:ext>
             </a:extLst>
           </p:cNvPr>
@@ -2373,7 +2373,7 @@
           <a:bodyPr/>
           <a:lstStyle/>
           <a:p>
-            <a:fld id="{DD7652A6-5A71-40A4-9C76-840F92240250}" type="datetimeFigureOut">
+            <a:fld id="{951DB79A-692C-4D06-B5FB-BD91170D157E}" type="datetimeFigureOut">
               <a:rPr lang="zh-CN" altLang="en-US" smtClean="0"/>
               <a:t>2024/3/10</a:t>
             </a:fld>
@@ -2386,7 +2386,7 @@
           <p:cNvPr id="6" name="页脚占位符 5">
             <a:extLst>
               <a:ext uri="{FF2B5EF4-FFF2-40B4-BE49-F238E27FC236}">
-                <a16:creationId xmlns:a16="http://schemas.microsoft.com/office/drawing/2014/main" id="{2701ADB6-44D9-477E-C672-AF3B531180FD}"/>
+                <a16:creationId xmlns:a16="http://schemas.microsoft.com/office/drawing/2014/main" id="{8AD92BE5-5650-5596-7827-71B6C268C19B}"/>
               </a:ext>
             </a:extLst>
           </p:cNvPr>
@@ -2411,7 +2411,7 @@
           <p:cNvPr id="7" name="灯片编号占位符 6">
             <a:extLst>
               <a:ext uri="{FF2B5EF4-FFF2-40B4-BE49-F238E27FC236}">
-                <a16:creationId xmlns:a16="http://schemas.microsoft.com/office/drawing/2014/main" id="{68AD27B8-2EC8-B6CD-C199-6FF7B53DB769}"/>
+                <a16:creationId xmlns:a16="http://schemas.microsoft.com/office/drawing/2014/main" id="{DE8A2011-D356-643F-0E18-7AE41A23F861}"/>
               </a:ext>
             </a:extLst>
           </p:cNvPr>
@@ -2427,7 +2427,7 @@
           <a:bodyPr/>
           <a:lstStyle/>
           <a:p>
-            <a:fld id="{C00AE7E1-EF03-47FC-B0BA-2F4345C64BB6}" type="slidenum">
+            <a:fld id="{A40EE891-E9CA-4CF3-AD9B-1A6E748865B3}" type="slidenum">
               <a:rPr lang="zh-CN" altLang="en-US" smtClean="0"/>
               <a:t>‹#›</a:t>
             </a:fld>
@@ -2438,7 +2438,7 @@
     </p:spTree>
     <p:extLst>
       <p:ext uri="{BB962C8B-B14F-4D97-AF65-F5344CB8AC3E}">
-        <p14:creationId xmlns:p14="http://schemas.microsoft.com/office/powerpoint/2010/main" val="1724708266"/>
+        <p14:creationId xmlns:p14="http://schemas.microsoft.com/office/powerpoint/2010/main" val="3907542188"/>
       </p:ext>
     </p:extLst>
   </p:cSld>
@@ -2470,7 +2470,7 @@
           <p:cNvPr id="2" name="标题 1">
             <a:extLst>
               <a:ext uri="{FF2B5EF4-FFF2-40B4-BE49-F238E27FC236}">
-                <a16:creationId xmlns:a16="http://schemas.microsoft.com/office/drawing/2014/main" id="{8B9645DD-BCFB-E6DB-6AB6-8728674EDAE4}"/>
+                <a16:creationId xmlns:a16="http://schemas.microsoft.com/office/drawing/2014/main" id="{B71C72D9-DCEF-4600-CBA9-CB25B429332A}"/>
               </a:ext>
             </a:extLst>
           </p:cNvPr>
@@ -2507,7 +2507,7 @@
           <p:cNvPr id="3" name="图片占位符 2">
             <a:extLst>
               <a:ext uri="{FF2B5EF4-FFF2-40B4-BE49-F238E27FC236}">
-                <a16:creationId xmlns:a16="http://schemas.microsoft.com/office/drawing/2014/main" id="{E567725A-4027-3695-C7FE-8D86A273FA26}"/>
+                <a16:creationId xmlns:a16="http://schemas.microsoft.com/office/drawing/2014/main" id="{9D8AC2BC-F50C-8775-5A7F-E03F4F5BEE1B}"/>
               </a:ext>
             </a:extLst>
           </p:cNvPr>
@@ -2574,7 +2574,7 @@
           <p:cNvPr id="4" name="文本占位符 3">
             <a:extLst>
               <a:ext uri="{FF2B5EF4-FFF2-40B4-BE49-F238E27FC236}">
-                <a16:creationId xmlns:a16="http://schemas.microsoft.com/office/drawing/2014/main" id="{8D7B6C72-49C3-A5A9-3C53-F6620A34127A}"/>
+                <a16:creationId xmlns:a16="http://schemas.microsoft.com/office/drawing/2014/main" id="{C2B19562-600D-BC01-2307-A955F4981425}"/>
               </a:ext>
             </a:extLst>
           </p:cNvPr>
@@ -2645,7 +2645,7 @@
           <p:cNvPr id="5" name="日期占位符 4">
             <a:extLst>
               <a:ext uri="{FF2B5EF4-FFF2-40B4-BE49-F238E27FC236}">
-                <a16:creationId xmlns:a16="http://schemas.microsoft.com/office/drawing/2014/main" id="{06FAB9C6-4D6B-9F59-85FC-88327B812788}"/>
+                <a16:creationId xmlns:a16="http://schemas.microsoft.com/office/drawing/2014/main" id="{411CF2E0-2684-FE92-1CF5-044545221FBE}"/>
               </a:ext>
             </a:extLst>
           </p:cNvPr>
@@ -2661,7 +2661,7 @@
           <a:bodyPr/>
           <a:lstStyle/>
           <a:p>
-            <a:fld id="{DD7652A6-5A71-40A4-9C76-840F92240250}" type="datetimeFigureOut">
+            <a:fld id="{951DB79A-692C-4D06-B5FB-BD91170D157E}" type="datetimeFigureOut">
               <a:rPr lang="zh-CN" altLang="en-US" smtClean="0"/>
               <a:t>2024/3/10</a:t>
             </a:fld>
@@ -2674,7 +2674,7 @@
           <p:cNvPr id="6" name="页脚占位符 5">
             <a:extLst>
               <a:ext uri="{FF2B5EF4-FFF2-40B4-BE49-F238E27FC236}">
-                <a16:creationId xmlns:a16="http://schemas.microsoft.com/office/drawing/2014/main" id="{1CAEED67-8FBA-25A1-21CE-C0D91B360597}"/>
+                <a16:creationId xmlns:a16="http://schemas.microsoft.com/office/drawing/2014/main" id="{817FE161-C9B3-4C07-F739-D61B3143FDF5}"/>
               </a:ext>
             </a:extLst>
           </p:cNvPr>
@@ -2699,7 +2699,7 @@
           <p:cNvPr id="7" name="灯片编号占位符 6">
             <a:extLst>
               <a:ext uri="{FF2B5EF4-FFF2-40B4-BE49-F238E27FC236}">
-                <a16:creationId xmlns:a16="http://schemas.microsoft.com/office/drawing/2014/main" id="{9D34AAB1-ACB8-E0C6-A4BC-7AEF7E19ADF6}"/>
+                <a16:creationId xmlns:a16="http://schemas.microsoft.com/office/drawing/2014/main" id="{DA1F0A1F-B75C-9D70-C95B-528BE7B8EC68}"/>
               </a:ext>
             </a:extLst>
           </p:cNvPr>
@@ -2715,7 +2715,7 @@
           <a:bodyPr/>
           <a:lstStyle/>
           <a:p>
-            <a:fld id="{C00AE7E1-EF03-47FC-B0BA-2F4345C64BB6}" type="slidenum">
+            <a:fld id="{A40EE891-E9CA-4CF3-AD9B-1A6E748865B3}" type="slidenum">
               <a:rPr lang="zh-CN" altLang="en-US" smtClean="0"/>
               <a:t>‹#›</a:t>
             </a:fld>
@@ -2726,7 +2726,7 @@
     </p:spTree>
     <p:extLst>
       <p:ext uri="{BB962C8B-B14F-4D97-AF65-F5344CB8AC3E}">
-        <p14:creationId xmlns:p14="http://schemas.microsoft.com/office/powerpoint/2010/main" val="1005803608"/>
+        <p14:creationId xmlns:p14="http://schemas.microsoft.com/office/powerpoint/2010/main" val="3004993195"/>
       </p:ext>
     </p:extLst>
   </p:cSld>
@@ -2763,7 +2763,7 @@
           <p:cNvPr id="2" name="标题占位符 1">
             <a:extLst>
               <a:ext uri="{FF2B5EF4-FFF2-40B4-BE49-F238E27FC236}">
-                <a16:creationId xmlns:a16="http://schemas.microsoft.com/office/drawing/2014/main" id="{8E662E18-8D20-7712-165F-4AAEDB4DA89B}"/>
+                <a16:creationId xmlns:a16="http://schemas.microsoft.com/office/drawing/2014/main" id="{F287309E-F7C8-C732-D0F6-D6345CB7C7BE}"/>
               </a:ext>
             </a:extLst>
           </p:cNvPr>
@@ -2801,7 +2801,7 @@
           <p:cNvPr id="3" name="文本占位符 2">
             <a:extLst>
               <a:ext uri="{FF2B5EF4-FFF2-40B4-BE49-F238E27FC236}">
-                <a16:creationId xmlns:a16="http://schemas.microsoft.com/office/drawing/2014/main" id="{3C6E0E04-942A-7583-A7C6-67DDFA5BA957}"/>
+                <a16:creationId xmlns:a16="http://schemas.microsoft.com/office/drawing/2014/main" id="{9646A830-4435-67FC-232F-A50738C36420}"/>
               </a:ext>
             </a:extLst>
           </p:cNvPr>
@@ -2868,7 +2868,7 @@
           <p:cNvPr id="4" name="日期占位符 3">
             <a:extLst>
               <a:ext uri="{FF2B5EF4-FFF2-40B4-BE49-F238E27FC236}">
-                <a16:creationId xmlns:a16="http://schemas.microsoft.com/office/drawing/2014/main" id="{78AEF051-DC96-7F0F-6F8E-6F280C5970B0}"/>
+                <a16:creationId xmlns:a16="http://schemas.microsoft.com/office/drawing/2014/main" id="{8BA5C9B2-47C1-EFE2-297E-3769AEC02CA0}"/>
               </a:ext>
             </a:extLst>
           </p:cNvPr>
@@ -2902,7 +2902,7 @@
             </a:lvl1pPr>
           </a:lstStyle>
           <a:p>
-            <a:fld id="{DD7652A6-5A71-40A4-9C76-840F92240250}" type="datetimeFigureOut">
+            <a:fld id="{951DB79A-692C-4D06-B5FB-BD91170D157E}" type="datetimeFigureOut">
               <a:rPr lang="zh-CN" altLang="en-US" smtClean="0"/>
               <a:t>2024/3/10</a:t>
             </a:fld>
@@ -2915,7 +2915,7 @@
           <p:cNvPr id="5" name="页脚占位符 4">
             <a:extLst>
               <a:ext uri="{FF2B5EF4-FFF2-40B4-BE49-F238E27FC236}">
-                <a16:creationId xmlns:a16="http://schemas.microsoft.com/office/drawing/2014/main" id="{33BEA5B7-8E43-B040-4ED2-A2E35E68D08F}"/>
+                <a16:creationId xmlns:a16="http://schemas.microsoft.com/office/drawing/2014/main" id="{9671C0DE-6005-A317-00F0-DE39ACDC560E}"/>
               </a:ext>
             </a:extLst>
           </p:cNvPr>
@@ -2958,7 +2958,7 @@
           <p:cNvPr id="6" name="灯片编号占位符 5">
             <a:extLst>
               <a:ext uri="{FF2B5EF4-FFF2-40B4-BE49-F238E27FC236}">
-                <a16:creationId xmlns:a16="http://schemas.microsoft.com/office/drawing/2014/main" id="{25517D93-3181-942D-E428-ED200DADE1C0}"/>
+                <a16:creationId xmlns:a16="http://schemas.microsoft.com/office/drawing/2014/main" id="{D61374F1-24EC-CD38-B27C-D735A32C4C32}"/>
               </a:ext>
             </a:extLst>
           </p:cNvPr>
@@ -2992,7 +2992,7 @@
             </a:lvl1pPr>
           </a:lstStyle>
           <a:p>
-            <a:fld id="{C00AE7E1-EF03-47FC-B0BA-2F4345C64BB6}" type="slidenum">
+            <a:fld id="{A40EE891-E9CA-4CF3-AD9B-1A6E748865B3}" type="slidenum">
               <a:rPr lang="zh-CN" altLang="en-US" smtClean="0"/>
               <a:t>‹#›</a:t>
             </a:fld>
@@ -3003,7 +3003,7 @@
     </p:spTree>
     <p:extLst>
       <p:ext uri="{BB962C8B-B14F-4D97-AF65-F5344CB8AC3E}">
-        <p14:creationId xmlns:p14="http://schemas.microsoft.com/office/powerpoint/2010/main" val="3204976704"/>
+        <p14:creationId xmlns:p14="http://schemas.microsoft.com/office/powerpoint/2010/main" val="2731958985"/>
       </p:ext>
     </p:extLst>
   </p:cSld>
